--- a/pomodoro/imgs/icons.pptx
+++ b/pomodoro/imgs/icons.pptx
@@ -3323,6 +3323,65 @@
       </p:grpSpPr>
       <p:sp>
         <p:nvSpPr>
+          <p:cNvPr id="24" name="矩形 23">
+            <a:extLst>
+              <a:ext uri="{FF2B5EF4-FFF2-40B4-BE49-F238E27FC236}">
+                <a16:creationId xmlns:a16="http://schemas.microsoft.com/office/drawing/2014/main" id="{2FD21C79-696F-4398-80EF-62F3D2F03A4D}"/>
+              </a:ext>
+            </a:extLst>
+          </p:cNvPr>
+          <p:cNvSpPr/>
+          <p:nvPr/>
+        </p:nvSpPr>
+        <p:spPr>
+          <a:xfrm>
+            <a:off x="1639382" y="664428"/>
+            <a:ext cx="1008000" cy="1008000"/>
+          </a:xfrm>
+          <a:prstGeom prst="rect">
+            <a:avLst/>
+          </a:prstGeom>
+          <a:solidFill>
+            <a:srgbClr val="404040"/>
+          </a:solidFill>
+          <a:ln>
+            <a:noFill/>
+          </a:ln>
+          <a:effectLst>
+            <a:outerShdw blurRad="63500" sx="102000" sy="102000" algn="ctr" rotWithShape="0">
+              <a:prstClr val="black">
+                <a:alpha val="40000"/>
+              </a:prstClr>
+            </a:outerShdw>
+          </a:effectLst>
+        </p:spPr>
+        <p:style>
+          <a:lnRef idx="2">
+            <a:schemeClr val="accent1">
+              <a:shade val="50000"/>
+            </a:schemeClr>
+          </a:lnRef>
+          <a:fillRef idx="1">
+            <a:schemeClr val="accent1"/>
+          </a:fillRef>
+          <a:effectRef idx="0">
+            <a:schemeClr val="accent1"/>
+          </a:effectRef>
+          <a:fontRef idx="minor">
+            <a:schemeClr val="lt1"/>
+          </a:fontRef>
+        </p:style>
+        <p:txBody>
+          <a:bodyPr rtlCol="0" anchor="ctr"/>
+          <a:lstStyle/>
+          <a:p>
+            <a:pPr algn="ctr"/>
+            <a:endParaRPr lang="zh-CN" altLang="en-US"/>
+          </a:p>
+        </p:txBody>
+      </p:sp>
+      <p:sp>
+        <p:nvSpPr>
           <p:cNvPr id="5" name="等腰三角形 4">
             <a:extLst>
               <a:ext uri="{FF2B5EF4-FFF2-40B4-BE49-F238E27FC236}">
@@ -3354,6 +3413,13 @@
               </a:schemeClr>
             </a:solidFill>
           </a:ln>
+          <a:effectLst>
+            <a:outerShdw blurRad="63500" sx="102000" sy="102000" algn="ctr" rotWithShape="0">
+              <a:prstClr val="black">
+                <a:alpha val="40000"/>
+              </a:prstClr>
+            </a:outerShdw>
+          </a:effectLst>
         </p:spPr>
         <p:style>
           <a:lnRef idx="0">
@@ -3405,9 +3471,11 @@
             </a:solidFill>
           </a:ln>
           <a:effectLst>
-            <a:innerShdw blurRad="114300">
-              <a:prstClr val="black"/>
-            </a:innerShdw>
+            <a:outerShdw blurRad="63500" sx="102000" sy="102000" algn="ctr" rotWithShape="0">
+              <a:prstClr val="black">
+                <a:alpha val="40000"/>
+              </a:prstClr>
+            </a:outerShdw>
           </a:effectLst>
         </p:spPr>
         <p:style>
@@ -3456,6 +3524,13 @@
             <a:chOff x="6726348" y="1016000"/>
             <a:chExt cx="418920" cy="885600"/>
           </a:xfrm>
+          <a:effectLst>
+            <a:outerShdw blurRad="63500" sx="102000" sy="102000" algn="ctr" rotWithShape="0">
+              <a:prstClr val="black">
+                <a:alpha val="40000"/>
+              </a:prstClr>
+            </a:outerShdw>
+          </a:effectLst>
         </p:grpSpPr>
         <p:cxnSp>
           <p:nvCxnSpPr>
@@ -3570,9 +3645,11 @@
             </a:solidFill>
           </a:ln>
           <a:effectLst>
-            <a:innerShdw blurRad="114300">
-              <a:prstClr val="black"/>
-            </a:innerShdw>
+            <a:outerShdw blurRad="63500" sx="102000" sy="102000" algn="ctr" rotWithShape="0">
+              <a:prstClr val="black">
+                <a:alpha val="40000"/>
+              </a:prstClr>
+            </a:outerShdw>
           </a:effectLst>
         </p:spPr>
         <p:style>
@@ -3689,9 +3766,11 @@
             </a:solidFill>
           </a:ln>
           <a:effectLst>
-            <a:innerShdw blurRad="114300">
-              <a:prstClr val="black"/>
-            </a:innerShdw>
+            <a:outerShdw blurRad="63500" sx="102000" sy="102000" algn="ctr" rotWithShape="0">
+              <a:prstClr val="black">
+                <a:alpha val="40000"/>
+              </a:prstClr>
+            </a:outerShdw>
           </a:effectLst>
         </p:spPr>
         <p:style>
@@ -3744,6 +3823,18 @@
           <a:solidFill>
             <a:srgbClr val="404040"/>
           </a:solidFill>
+          <a:ln>
+            <a:solidFill>
+              <a:srgbClr val="404040"/>
+            </a:solidFill>
+          </a:ln>
+          <a:effectLst>
+            <a:outerShdw blurRad="63500" sx="102000" sy="102000" algn="ctr" rotWithShape="0">
+              <a:prstClr val="black">
+                <a:alpha val="40000"/>
+              </a:prstClr>
+            </a:outerShdw>
+          </a:effectLst>
         </p:spPr>
         <p:style>
           <a:lnRef idx="2">
@@ -3770,6 +3861,129 @@
           </a:p>
         </p:txBody>
       </p:sp>
+      <p:cxnSp>
+        <p:nvCxnSpPr>
+          <p:cNvPr id="21" name="直接连接符 20">
+            <a:extLst>
+              <a:ext uri="{FF2B5EF4-FFF2-40B4-BE49-F238E27FC236}">
+                <a16:creationId xmlns:a16="http://schemas.microsoft.com/office/drawing/2014/main" id="{FADD4F15-7ED2-4B8E-8BF8-2AB4D0F5FE3B}"/>
+              </a:ext>
+            </a:extLst>
+          </p:cNvPr>
+          <p:cNvCxnSpPr/>
+          <p:nvPr/>
+        </p:nvCxnSpPr>
+        <p:spPr>
+          <a:xfrm rot="5400000">
+            <a:off x="2143382" y="509909"/>
+            <a:ext cx="0" cy="885600"/>
+          </a:xfrm>
+          <a:prstGeom prst="line">
+            <a:avLst/>
+          </a:prstGeom>
+          <a:ln w="76200">
+            <a:solidFill>
+              <a:srgbClr val="A5A5A5"/>
+            </a:solidFill>
+          </a:ln>
+        </p:spPr>
+        <p:style>
+          <a:lnRef idx="1">
+            <a:schemeClr val="accent1"/>
+          </a:lnRef>
+          <a:fillRef idx="0">
+            <a:schemeClr val="accent1"/>
+          </a:fillRef>
+          <a:effectRef idx="0">
+            <a:schemeClr val="accent1"/>
+          </a:effectRef>
+          <a:fontRef idx="minor">
+            <a:schemeClr val="tx1"/>
+          </a:fontRef>
+        </p:style>
+      </p:cxnSp>
+      <p:cxnSp>
+        <p:nvCxnSpPr>
+          <p:cNvPr id="22" name="直接连接符 21">
+            <a:extLst>
+              <a:ext uri="{FF2B5EF4-FFF2-40B4-BE49-F238E27FC236}">
+                <a16:creationId xmlns:a16="http://schemas.microsoft.com/office/drawing/2014/main" id="{661A788B-5007-47B7-B983-1B6FB12A7B97}"/>
+              </a:ext>
+            </a:extLst>
+          </p:cNvPr>
+          <p:cNvCxnSpPr/>
+          <p:nvPr/>
+        </p:nvCxnSpPr>
+        <p:spPr>
+          <a:xfrm rot="5400000">
+            <a:off x="2143382" y="725628"/>
+            <a:ext cx="0" cy="885600"/>
+          </a:xfrm>
+          <a:prstGeom prst="line">
+            <a:avLst/>
+          </a:prstGeom>
+          <a:ln w="76200">
+            <a:solidFill>
+              <a:srgbClr val="A5A5A5"/>
+            </a:solidFill>
+          </a:ln>
+        </p:spPr>
+        <p:style>
+          <a:lnRef idx="1">
+            <a:schemeClr val="accent1"/>
+          </a:lnRef>
+          <a:fillRef idx="0">
+            <a:schemeClr val="accent1"/>
+          </a:fillRef>
+          <a:effectRef idx="0">
+            <a:schemeClr val="accent1"/>
+          </a:effectRef>
+          <a:fontRef idx="minor">
+            <a:schemeClr val="tx1"/>
+          </a:fontRef>
+        </p:style>
+      </p:cxnSp>
+      <p:cxnSp>
+        <p:nvCxnSpPr>
+          <p:cNvPr id="23" name="直接连接符 22">
+            <a:extLst>
+              <a:ext uri="{FF2B5EF4-FFF2-40B4-BE49-F238E27FC236}">
+                <a16:creationId xmlns:a16="http://schemas.microsoft.com/office/drawing/2014/main" id="{490999D8-CB15-41B2-B8D7-6D88D7ED8A00}"/>
+              </a:ext>
+            </a:extLst>
+          </p:cNvPr>
+          <p:cNvCxnSpPr/>
+          <p:nvPr/>
+        </p:nvCxnSpPr>
+        <p:spPr>
+          <a:xfrm rot="5400000">
+            <a:off x="2143382" y="943200"/>
+            <a:ext cx="0" cy="885600"/>
+          </a:xfrm>
+          <a:prstGeom prst="line">
+            <a:avLst/>
+          </a:prstGeom>
+          <a:ln w="76200">
+            <a:solidFill>
+              <a:srgbClr val="A5A5A5"/>
+            </a:solidFill>
+          </a:ln>
+        </p:spPr>
+        <p:style>
+          <a:lnRef idx="1">
+            <a:schemeClr val="accent1"/>
+          </a:lnRef>
+          <a:fillRef idx="0">
+            <a:schemeClr val="accent1"/>
+          </a:fillRef>
+          <a:effectRef idx="0">
+            <a:schemeClr val="accent1"/>
+          </a:effectRef>
+          <a:fontRef idx="minor">
+            <a:schemeClr val="tx1"/>
+          </a:fontRef>
+        </p:style>
+      </p:cxnSp>
     </p:spTree>
     <p:extLst>
       <p:ext uri="{BB962C8B-B14F-4D97-AF65-F5344CB8AC3E}">

--- a/pomodoro/imgs/icons.pptx
+++ b/pomodoro/imgs/icons.pptx
@@ -3342,10 +3342,14 @@
             <a:avLst/>
           </a:prstGeom>
           <a:solidFill>
-            <a:srgbClr val="404040"/>
+            <a:srgbClr val="808080">
+              <a:alpha val="50196"/>
+            </a:srgbClr>
           </a:solidFill>
           <a:ln>
-            <a:noFill/>
+            <a:solidFill>
+              <a:srgbClr val="808080"/>
+            </a:solidFill>
           </a:ln>
           <a:effectLst>
             <a:outerShdw blurRad="63500" sx="102000" sy="102000" algn="ctr" rotWithShape="0">
@@ -3883,7 +3887,7 @@
           </a:prstGeom>
           <a:ln w="76200">
             <a:solidFill>
-              <a:srgbClr val="A5A5A5"/>
+              <a:srgbClr val="404040"/>
             </a:solidFill>
           </a:ln>
         </p:spPr>
@@ -3924,7 +3928,7 @@
           </a:prstGeom>
           <a:ln w="76200">
             <a:solidFill>
-              <a:srgbClr val="A5A5A5"/>
+              <a:srgbClr val="404040"/>
             </a:solidFill>
           </a:ln>
         </p:spPr>
@@ -3965,7 +3969,7 @@
           </a:prstGeom>
           <a:ln w="76200">
             <a:solidFill>
-              <a:srgbClr val="A5A5A5"/>
+              <a:srgbClr val="404040"/>
             </a:solidFill>
           </a:ln>
         </p:spPr>

--- a/pomodoro/imgs/icons.pptx
+++ b/pomodoro/imgs/icons.pptx
@@ -104,6 +104,11 @@
       </a:defRPr>
     </a:lvl9pPr>
   </p:defaultTextStyle>
+  <p:extLst>
+    <p:ext uri="{EFAFB233-063F-42B5-8137-9DF3F51BA10A}">
+      <p15:sldGuideLst xmlns:p15="http://schemas.microsoft.com/office/powerpoint/2012/main"/>
+    </p:ext>
+  </p:extLst>
 </p:presentation>
 </file>
 
@@ -254,7 +259,7 @@
           <a:p>
             <a:fld id="{B2EB834E-384E-471E-8BE7-2BF77985C261}" type="datetimeFigureOut">
               <a:rPr lang="zh-CN" altLang="en-US" smtClean="0"/>
-              <a:t>2023/7/28</a:t>
+              <a:t>2023/7/30</a:t>
             </a:fld>
             <a:endParaRPr lang="zh-CN" altLang="en-US"/>
           </a:p>
@@ -452,7 +457,7 @@
           <a:p>
             <a:fld id="{B2EB834E-384E-471E-8BE7-2BF77985C261}" type="datetimeFigureOut">
               <a:rPr lang="zh-CN" altLang="en-US" smtClean="0"/>
-              <a:t>2023/7/28</a:t>
+              <a:t>2023/7/30</a:t>
             </a:fld>
             <a:endParaRPr lang="zh-CN" altLang="en-US"/>
           </a:p>
@@ -660,7 +665,7 @@
           <a:p>
             <a:fld id="{B2EB834E-384E-471E-8BE7-2BF77985C261}" type="datetimeFigureOut">
               <a:rPr lang="zh-CN" altLang="en-US" smtClean="0"/>
-              <a:t>2023/7/28</a:t>
+              <a:t>2023/7/30</a:t>
             </a:fld>
             <a:endParaRPr lang="zh-CN" altLang="en-US"/>
           </a:p>
@@ -858,7 +863,7 @@
           <a:p>
             <a:fld id="{B2EB834E-384E-471E-8BE7-2BF77985C261}" type="datetimeFigureOut">
               <a:rPr lang="zh-CN" altLang="en-US" smtClean="0"/>
-              <a:t>2023/7/28</a:t>
+              <a:t>2023/7/30</a:t>
             </a:fld>
             <a:endParaRPr lang="zh-CN" altLang="en-US"/>
           </a:p>
@@ -1133,7 +1138,7 @@
           <a:p>
             <a:fld id="{B2EB834E-384E-471E-8BE7-2BF77985C261}" type="datetimeFigureOut">
               <a:rPr lang="zh-CN" altLang="en-US" smtClean="0"/>
-              <a:t>2023/7/28</a:t>
+              <a:t>2023/7/30</a:t>
             </a:fld>
             <a:endParaRPr lang="zh-CN" altLang="en-US"/>
           </a:p>
@@ -1398,7 +1403,7 @@
           <a:p>
             <a:fld id="{B2EB834E-384E-471E-8BE7-2BF77985C261}" type="datetimeFigureOut">
               <a:rPr lang="zh-CN" altLang="en-US" smtClean="0"/>
-              <a:t>2023/7/28</a:t>
+              <a:t>2023/7/30</a:t>
             </a:fld>
             <a:endParaRPr lang="zh-CN" altLang="en-US"/>
           </a:p>
@@ -1810,7 +1815,7 @@
           <a:p>
             <a:fld id="{B2EB834E-384E-471E-8BE7-2BF77985C261}" type="datetimeFigureOut">
               <a:rPr lang="zh-CN" altLang="en-US" smtClean="0"/>
-              <a:t>2023/7/28</a:t>
+              <a:t>2023/7/30</a:t>
             </a:fld>
             <a:endParaRPr lang="zh-CN" altLang="en-US"/>
           </a:p>
@@ -1951,7 +1956,7 @@
           <a:p>
             <a:fld id="{B2EB834E-384E-471E-8BE7-2BF77985C261}" type="datetimeFigureOut">
               <a:rPr lang="zh-CN" altLang="en-US" smtClean="0"/>
-              <a:t>2023/7/28</a:t>
+              <a:t>2023/7/30</a:t>
             </a:fld>
             <a:endParaRPr lang="zh-CN" altLang="en-US"/>
           </a:p>
@@ -2064,7 +2069,7 @@
           <a:p>
             <a:fld id="{B2EB834E-384E-471E-8BE7-2BF77985C261}" type="datetimeFigureOut">
               <a:rPr lang="zh-CN" altLang="en-US" smtClean="0"/>
-              <a:t>2023/7/28</a:t>
+              <a:t>2023/7/30</a:t>
             </a:fld>
             <a:endParaRPr lang="zh-CN" altLang="en-US"/>
           </a:p>
@@ -2375,7 +2380,7 @@
           <a:p>
             <a:fld id="{B2EB834E-384E-471E-8BE7-2BF77985C261}" type="datetimeFigureOut">
               <a:rPr lang="zh-CN" altLang="en-US" smtClean="0"/>
-              <a:t>2023/7/28</a:t>
+              <a:t>2023/7/30</a:t>
             </a:fld>
             <a:endParaRPr lang="zh-CN" altLang="en-US"/>
           </a:p>
@@ -2663,7 +2668,7 @@
           <a:p>
             <a:fld id="{B2EB834E-384E-471E-8BE7-2BF77985C261}" type="datetimeFigureOut">
               <a:rPr lang="zh-CN" altLang="en-US" smtClean="0"/>
-              <a:t>2023/7/28</a:t>
+              <a:t>2023/7/30</a:t>
             </a:fld>
             <a:endParaRPr lang="zh-CN" altLang="en-US"/>
           </a:p>
@@ -2904,7 +2909,7 @@
           <a:p>
             <a:fld id="{B2EB834E-384E-471E-8BE7-2BF77985C261}" type="datetimeFigureOut">
               <a:rPr lang="zh-CN" altLang="en-US" smtClean="0"/>
-              <a:t>2023/7/28</a:t>
+              <a:t>2023/7/30</a:t>
             </a:fld>
             <a:endParaRPr lang="zh-CN" altLang="en-US"/>
           </a:p>
@@ -3988,6 +3993,282 @@
           </a:fontRef>
         </p:style>
       </p:cxnSp>
+      <p:sp>
+        <p:nvSpPr>
+          <p:cNvPr id="2" name="弧形 1">
+            <a:extLst>
+              <a:ext uri="{FF2B5EF4-FFF2-40B4-BE49-F238E27FC236}">
+                <a16:creationId xmlns:a16="http://schemas.microsoft.com/office/drawing/2014/main" id="{E5CA436E-F877-45D0-89F8-FFF94193E0C1}"/>
+              </a:ext>
+            </a:extLst>
+          </p:cNvPr>
+          <p:cNvSpPr/>
+          <p:nvPr/>
+        </p:nvSpPr>
+        <p:spPr>
+          <a:xfrm>
+            <a:off x="2978878" y="4615253"/>
+            <a:ext cx="1800000" cy="1800000"/>
+          </a:xfrm>
+          <a:prstGeom prst="arc">
+            <a:avLst>
+              <a:gd name="adj1" fmla="val 17022528"/>
+              <a:gd name="adj2" fmla="val 20865075"/>
+            </a:avLst>
+          </a:prstGeom>
+          <a:ln w="254000">
+            <a:solidFill>
+              <a:schemeClr val="tx1"/>
+            </a:solidFill>
+          </a:ln>
+          <a:effectLst>
+            <a:glow rad="228600">
+              <a:schemeClr val="accent3">
+                <a:satMod val="175000"/>
+                <a:alpha val="40000"/>
+              </a:schemeClr>
+            </a:glow>
+            <a:innerShdw blurRad="114300">
+              <a:prstClr val="black"/>
+            </a:innerShdw>
+          </a:effectLst>
+        </p:spPr>
+        <p:style>
+          <a:lnRef idx="1">
+            <a:schemeClr val="accent1"/>
+          </a:lnRef>
+          <a:fillRef idx="0">
+            <a:schemeClr val="accent1"/>
+          </a:fillRef>
+          <a:effectRef idx="0">
+            <a:schemeClr val="accent1"/>
+          </a:effectRef>
+          <a:fontRef idx="minor">
+            <a:schemeClr val="tx1"/>
+          </a:fontRef>
+        </p:style>
+        <p:txBody>
+          <a:bodyPr rtlCol="0" anchor="ctr"/>
+          <a:lstStyle/>
+          <a:p>
+            <a:pPr algn="ctr"/>
+            <a:endParaRPr lang="zh-CN" altLang="en-US">
+              <a:ln>
+                <a:solidFill>
+                  <a:srgbClr val="404040"/>
+                </a:solidFill>
+              </a:ln>
+            </a:endParaRPr>
+          </a:p>
+        </p:txBody>
+      </p:sp>
+      <p:sp>
+        <p:nvSpPr>
+          <p:cNvPr id="16" name="弧形 15">
+            <a:extLst>
+              <a:ext uri="{FF2B5EF4-FFF2-40B4-BE49-F238E27FC236}">
+                <a16:creationId xmlns:a16="http://schemas.microsoft.com/office/drawing/2014/main" id="{83487C2C-43A8-4738-92D2-F0B1F2C7E3CB}"/>
+              </a:ext>
+            </a:extLst>
+          </p:cNvPr>
+          <p:cNvSpPr/>
+          <p:nvPr/>
+        </p:nvSpPr>
+        <p:spPr>
+          <a:xfrm rot="5400000">
+            <a:off x="2978878" y="4615253"/>
+            <a:ext cx="1800000" cy="1800000"/>
+          </a:xfrm>
+          <a:prstGeom prst="arc">
+            <a:avLst>
+              <a:gd name="adj1" fmla="val 17022528"/>
+              <a:gd name="adj2" fmla="val 20865075"/>
+            </a:avLst>
+          </a:prstGeom>
+          <a:ln w="254000">
+            <a:solidFill>
+              <a:schemeClr val="tx1"/>
+            </a:solidFill>
+          </a:ln>
+          <a:effectLst>
+            <a:glow rad="228600">
+              <a:schemeClr val="accent3">
+                <a:satMod val="175000"/>
+                <a:alpha val="40000"/>
+              </a:schemeClr>
+            </a:glow>
+            <a:innerShdw blurRad="114300">
+              <a:prstClr val="black"/>
+            </a:innerShdw>
+          </a:effectLst>
+        </p:spPr>
+        <p:style>
+          <a:lnRef idx="1">
+            <a:schemeClr val="accent1"/>
+          </a:lnRef>
+          <a:fillRef idx="0">
+            <a:schemeClr val="accent1"/>
+          </a:fillRef>
+          <a:effectRef idx="0">
+            <a:schemeClr val="accent1"/>
+          </a:effectRef>
+          <a:fontRef idx="minor">
+            <a:schemeClr val="tx1"/>
+          </a:fontRef>
+        </p:style>
+        <p:txBody>
+          <a:bodyPr rtlCol="0" anchor="ctr"/>
+          <a:lstStyle/>
+          <a:p>
+            <a:pPr algn="ctr"/>
+            <a:endParaRPr lang="zh-CN" altLang="en-US">
+              <a:ln>
+                <a:solidFill>
+                  <a:srgbClr val="404040"/>
+                </a:solidFill>
+              </a:ln>
+            </a:endParaRPr>
+          </a:p>
+        </p:txBody>
+      </p:sp>
+      <p:sp>
+        <p:nvSpPr>
+          <p:cNvPr id="17" name="弧形 16">
+            <a:extLst>
+              <a:ext uri="{FF2B5EF4-FFF2-40B4-BE49-F238E27FC236}">
+                <a16:creationId xmlns:a16="http://schemas.microsoft.com/office/drawing/2014/main" id="{0630E82C-821C-4D4D-A923-7E25B86238C9}"/>
+              </a:ext>
+            </a:extLst>
+          </p:cNvPr>
+          <p:cNvSpPr/>
+          <p:nvPr/>
+        </p:nvSpPr>
+        <p:spPr>
+          <a:xfrm rot="10800000">
+            <a:off x="2978878" y="4615253"/>
+            <a:ext cx="1800000" cy="1800000"/>
+          </a:xfrm>
+          <a:prstGeom prst="arc">
+            <a:avLst>
+              <a:gd name="adj1" fmla="val 17022528"/>
+              <a:gd name="adj2" fmla="val 20865075"/>
+            </a:avLst>
+          </a:prstGeom>
+          <a:ln w="254000">
+            <a:solidFill>
+              <a:schemeClr val="tx1"/>
+            </a:solidFill>
+          </a:ln>
+          <a:effectLst>
+            <a:glow rad="228600">
+              <a:schemeClr val="accent3">
+                <a:satMod val="175000"/>
+                <a:alpha val="40000"/>
+              </a:schemeClr>
+            </a:glow>
+            <a:innerShdw blurRad="114300">
+              <a:prstClr val="black"/>
+            </a:innerShdw>
+          </a:effectLst>
+        </p:spPr>
+        <p:style>
+          <a:lnRef idx="1">
+            <a:schemeClr val="accent1"/>
+          </a:lnRef>
+          <a:fillRef idx="0">
+            <a:schemeClr val="accent1"/>
+          </a:fillRef>
+          <a:effectRef idx="0">
+            <a:schemeClr val="accent1"/>
+          </a:effectRef>
+          <a:fontRef idx="minor">
+            <a:schemeClr val="tx1"/>
+          </a:fontRef>
+        </p:style>
+        <p:txBody>
+          <a:bodyPr rtlCol="0" anchor="ctr"/>
+          <a:lstStyle/>
+          <a:p>
+            <a:pPr algn="ctr"/>
+            <a:endParaRPr lang="zh-CN" altLang="en-US">
+              <a:ln>
+                <a:solidFill>
+                  <a:srgbClr val="404040"/>
+                </a:solidFill>
+              </a:ln>
+            </a:endParaRPr>
+          </a:p>
+        </p:txBody>
+      </p:sp>
+      <p:sp>
+        <p:nvSpPr>
+          <p:cNvPr id="18" name="弧形 17">
+            <a:extLst>
+              <a:ext uri="{FF2B5EF4-FFF2-40B4-BE49-F238E27FC236}">
+                <a16:creationId xmlns:a16="http://schemas.microsoft.com/office/drawing/2014/main" id="{3CBC0213-5B10-494B-83FE-9E12651345EB}"/>
+              </a:ext>
+            </a:extLst>
+          </p:cNvPr>
+          <p:cNvSpPr/>
+          <p:nvPr/>
+        </p:nvSpPr>
+        <p:spPr>
+          <a:xfrm rot="16200000">
+            <a:off x="2978878" y="4615253"/>
+            <a:ext cx="1800000" cy="1800000"/>
+          </a:xfrm>
+          <a:prstGeom prst="arc">
+            <a:avLst>
+              <a:gd name="adj1" fmla="val 17022528"/>
+              <a:gd name="adj2" fmla="val 20865075"/>
+            </a:avLst>
+          </a:prstGeom>
+          <a:ln w="254000">
+            <a:solidFill>
+              <a:schemeClr val="tx1"/>
+            </a:solidFill>
+          </a:ln>
+          <a:effectLst>
+            <a:glow rad="228600">
+              <a:schemeClr val="accent3">
+                <a:satMod val="175000"/>
+                <a:alpha val="40000"/>
+              </a:schemeClr>
+            </a:glow>
+            <a:innerShdw blurRad="114300">
+              <a:prstClr val="black"/>
+            </a:innerShdw>
+          </a:effectLst>
+        </p:spPr>
+        <p:style>
+          <a:lnRef idx="1">
+            <a:schemeClr val="accent1"/>
+          </a:lnRef>
+          <a:fillRef idx="0">
+            <a:schemeClr val="accent1"/>
+          </a:fillRef>
+          <a:effectRef idx="0">
+            <a:schemeClr val="accent1"/>
+          </a:effectRef>
+          <a:fontRef idx="minor">
+            <a:schemeClr val="tx1"/>
+          </a:fontRef>
+        </p:style>
+        <p:txBody>
+          <a:bodyPr rtlCol="0" anchor="ctr"/>
+          <a:lstStyle/>
+          <a:p>
+            <a:pPr algn="ctr"/>
+            <a:endParaRPr lang="zh-CN" altLang="en-US">
+              <a:ln>
+                <a:solidFill>
+                  <a:srgbClr val="404040"/>
+                </a:solidFill>
+              </a:ln>
+            </a:endParaRPr>
+          </a:p>
+        </p:txBody>
+      </p:sp>
     </p:spTree>
     <p:extLst>
       <p:ext uri="{BB962C8B-B14F-4D97-AF65-F5344CB8AC3E}">
